--- a/前端人脸识别初探.pptx
+++ b/前端人脸识别初探.pptx
@@ -5,7 +5,7 @@
     <p:sldMasterId id="2147483648" r:id="rId1"/>
   </p:sldMasterIdLst>
   <p:notesMasterIdLst>
-    <p:notesMasterId r:id="rId19"/>
+    <p:notesMasterId r:id="rId20"/>
   </p:notesMasterIdLst>
   <p:sldIdLst>
     <p:sldId id="256" r:id="rId2"/>
@@ -17,14 +17,15 @@
     <p:sldId id="263" r:id="rId8"/>
     <p:sldId id="262" r:id="rId9"/>
     <p:sldId id="264" r:id="rId10"/>
-    <p:sldId id="265" r:id="rId11"/>
-    <p:sldId id="268" r:id="rId12"/>
-    <p:sldId id="269" r:id="rId13"/>
-    <p:sldId id="267" r:id="rId14"/>
-    <p:sldId id="266" r:id="rId15"/>
+    <p:sldId id="268" r:id="rId11"/>
+    <p:sldId id="269" r:id="rId12"/>
+    <p:sldId id="267" r:id="rId13"/>
+    <p:sldId id="266" r:id="rId14"/>
+    <p:sldId id="265" r:id="rId15"/>
     <p:sldId id="270" r:id="rId16"/>
     <p:sldId id="271" r:id="rId17"/>
     <p:sldId id="272" r:id="rId18"/>
+    <p:sldId id="273" r:id="rId19"/>
   </p:sldIdLst>
   <p:sldSz cx="12192000" cy="6858000"/>
   <p:notesSz cx="6858000" cy="9144000"/>
@@ -610,7 +611,15 @@
           <a:p>
             <a:r>
               <a:rPr kumimoji="1" lang="zh-CN" altLang="en-US" dirty="0" smtClean="0"/>
-              <a:t>回到我们最初说的，人脸检测最终都是对图像的检测，所以不管视频也好，直播也罢，最终都是在生成的图片上进行一些分析</a:t>
+              <a:t>初始化识别</a:t>
+            </a:r>
+            <a:r>
+              <a:rPr kumimoji="1" lang="en-US" altLang="zh-CN" dirty="0" smtClean="0"/>
+              <a:t>API</a:t>
+            </a:r>
+            <a:r>
+              <a:rPr kumimoji="1" lang="zh-CN" altLang="en-US" dirty="0" smtClean="0"/>
+              <a:t>，两个参数，但是最大识别书数这个参数试了下没什么效果</a:t>
             </a:r>
             <a:endParaRPr kumimoji="1" lang="zh-CN" altLang="en-US" dirty="0"/>
           </a:p>
@@ -642,7 +651,7 @@
     </p:spTree>
     <p:extLst>
       <p:ext uri="{BB962C8B-B14F-4D97-AF65-F5344CB8AC3E}">
-        <p14:creationId xmlns:p14="http://schemas.microsoft.com/office/powerpoint/2010/main" val="636951384"/>
+        <p14:creationId xmlns:p14="http://schemas.microsoft.com/office/powerpoint/2010/main" val="1255385226"/>
       </p:ext>
     </p:extLst>
   </p:cSld>
@@ -698,7 +707,7 @@
           <a:p>
             <a:r>
               <a:rPr kumimoji="1" lang="zh-CN" altLang="en-US" dirty="0" smtClean="0"/>
-              <a:t>初始化识别</a:t>
+              <a:t>识别图片的</a:t>
             </a:r>
             <a:r>
               <a:rPr kumimoji="1" lang="en-US" altLang="zh-CN" dirty="0" smtClean="0"/>
@@ -706,7 +715,15 @@
             </a:r>
             <a:r>
               <a:rPr kumimoji="1" lang="zh-CN" altLang="en-US" dirty="0" smtClean="0"/>
-              <a:t>，两个参数，但是最大识别书数这个参数试了下没什么效果</a:t>
+              <a:t>非常的简单，这是一个异步给的过程，返回的是个</a:t>
+            </a:r>
+            <a:r>
+              <a:rPr kumimoji="1" lang="en-US" altLang="zh-CN" dirty="0" smtClean="0"/>
+              <a:t>promise</a:t>
+            </a:r>
+            <a:r>
+              <a:rPr kumimoji="1" lang="zh-CN" altLang="en-US" dirty="0" smtClean="0"/>
+              <a:t>，所以我们可以用这个函数</a:t>
             </a:r>
             <a:endParaRPr kumimoji="1" lang="zh-CN" altLang="en-US" dirty="0"/>
           </a:p>
@@ -738,7 +755,7 @@
     </p:spTree>
     <p:extLst>
       <p:ext uri="{BB962C8B-B14F-4D97-AF65-F5344CB8AC3E}">
-        <p14:creationId xmlns:p14="http://schemas.microsoft.com/office/powerpoint/2010/main" val="1255385226"/>
+        <p14:creationId xmlns:p14="http://schemas.microsoft.com/office/powerpoint/2010/main" val="143838569"/>
       </p:ext>
     </p:extLst>
   </p:cSld>
@@ -792,25 +809,118 @@
           <a:bodyPr/>
           <a:lstStyle/>
           <a:p>
+            <a:pPr marL="0" marR="0" indent="0" algn="l" defTabSz="914400" rtl="0" eaLnBrk="1" fontAlgn="auto" latinLnBrk="0" hangingPunct="1">
+              <a:lnSpc>
+                <a:spcPct val="100000"/>
+              </a:lnSpc>
+              <a:spcBef>
+                <a:spcPts val="0"/>
+              </a:spcBef>
+              <a:spcAft>
+                <a:spcPts val="0"/>
+              </a:spcAft>
+              <a:buClrTx/>
+              <a:buSzTx/>
+              <a:buFontTx/>
+              <a:buNone/>
+              <a:tabLst/>
+              <a:defRPr/>
+            </a:pPr>
             <a:r>
               <a:rPr kumimoji="1" lang="zh-CN" altLang="en-US" dirty="0" smtClean="0"/>
-              <a:t>识别图片的</a:t>
+              <a:t>将视频上的</a:t>
             </a:r>
             <a:r>
               <a:rPr kumimoji="1" lang="en-US" altLang="zh-CN" dirty="0" smtClean="0"/>
-              <a:t>API</a:t>
+              <a:t>blob</a:t>
             </a:r>
             <a:r>
               <a:rPr kumimoji="1" lang="zh-CN" altLang="en-US" dirty="0" smtClean="0"/>
-              <a:t>非常的简单，这是一个异步给的过程，返回的是个</a:t>
+              <a:t>数据通过</a:t>
             </a:r>
             <a:r>
               <a:rPr kumimoji="1" lang="en-US" altLang="zh-CN" dirty="0" smtClean="0"/>
-              <a:t>promise</a:t>
+              <a:t>canvas</a:t>
             </a:r>
             <a:r>
               <a:rPr kumimoji="1" lang="zh-CN" altLang="en-US" dirty="0" smtClean="0"/>
-              <a:t>，所以我们可以用这个函数</a:t>
+              <a:t>函数绘图到</a:t>
+            </a:r>
+            <a:r>
+              <a:rPr kumimoji="1" lang="en-US" altLang="zh-CN" dirty="0" smtClean="0"/>
+              <a:t>canvas</a:t>
+            </a:r>
+            <a:r>
+              <a:rPr kumimoji="1" lang="zh-CN" altLang="en-US" dirty="0" smtClean="0"/>
+              <a:t>上，然后再转成</a:t>
+            </a:r>
+            <a:r>
+              <a:rPr kumimoji="1" lang="en-US" altLang="zh-CN" dirty="0" smtClean="0"/>
+              <a:t>base64</a:t>
+            </a:r>
+            <a:r>
+              <a:rPr kumimoji="1" lang="zh-CN" altLang="en-US" dirty="0" smtClean="0"/>
+              <a:t>的图片字符串，当然这仅仅实现了视频上一张图片的检测，那么针对到整个视频来说，我们就需要启用一个定时器来不停的识别，我们这里用的是</a:t>
+            </a:r>
+            <a:r>
+              <a:rPr lang="en-US" altLang="zh-CN" sz="1200" b="0" kern="1200" dirty="0" err="1" smtClean="0">
+                <a:solidFill>
+                  <a:schemeClr val="tx1"/>
+                </a:solidFill>
+                <a:effectLst/>
+                <a:latin typeface="+mn-lt"/>
+                <a:ea typeface="+mn-ea"/>
+                <a:cs typeface="+mn-cs"/>
+              </a:rPr>
+              <a:t>requestAnimationFrame</a:t>
+            </a:r>
+            <a:r>
+              <a:rPr lang="zh-CN" altLang="en-US" sz="1200" b="0" kern="1200" dirty="0" smtClean="0">
+                <a:solidFill>
+                  <a:schemeClr val="tx1"/>
+                </a:solidFill>
+                <a:effectLst/>
+                <a:latin typeface="+mn-lt"/>
+                <a:ea typeface="+mn-ea"/>
+                <a:cs typeface="+mn-cs"/>
+              </a:rPr>
+              <a:t>，用法上和</a:t>
+            </a:r>
+            <a:r>
+              <a:rPr lang="en-US" altLang="zh-CN" sz="1200" b="0" kern="1200" dirty="0" err="1" smtClean="0">
+                <a:solidFill>
+                  <a:schemeClr val="tx1"/>
+                </a:solidFill>
+                <a:effectLst/>
+                <a:latin typeface="+mn-lt"/>
+                <a:ea typeface="+mn-ea"/>
+                <a:cs typeface="+mn-cs"/>
+              </a:rPr>
+              <a:t>settimeout</a:t>
+            </a:r>
+            <a:r>
+              <a:rPr lang="zh-CN" altLang="en-US" sz="1200" b="0" kern="1200" dirty="0" smtClean="0">
+                <a:solidFill>
+                  <a:schemeClr val="tx1"/>
+                </a:solidFill>
+                <a:effectLst/>
+                <a:latin typeface="+mn-lt"/>
+                <a:ea typeface="+mn-ea"/>
+                <a:cs typeface="+mn-cs"/>
+              </a:rPr>
+              <a:t>非常的相似，但他其实并不是定时器，通知浏览器要执行动画了，浏览器在下次</a:t>
+            </a:r>
+            <a:r>
+              <a:rPr lang="zh-CN" altLang="en-US" sz="1200" b="0" i="0" kern="1200" dirty="0" smtClean="0">
+                <a:solidFill>
+                  <a:schemeClr val="tx1"/>
+                </a:solidFill>
+                <a:effectLst/>
+                <a:latin typeface="+mn-lt"/>
+                <a:ea typeface="+mn-ea"/>
+                <a:cs typeface="+mn-cs"/>
+              </a:rPr>
+              <a:t>动画前调用相应方法来更新画面</a:t>
             </a:r>
             <a:endParaRPr kumimoji="1" lang="zh-CN" altLang="en-US" dirty="0"/>
           </a:p>
@@ -842,7 +952,7 @@
     </p:spTree>
     <p:extLst>
       <p:ext uri="{BB962C8B-B14F-4D97-AF65-F5344CB8AC3E}">
-        <p14:creationId xmlns:p14="http://schemas.microsoft.com/office/powerpoint/2010/main" val="143838569"/>
+        <p14:creationId xmlns:p14="http://schemas.microsoft.com/office/powerpoint/2010/main" val="1440477721"/>
       </p:ext>
     </p:extLst>
   </p:cSld>
@@ -898,7 +1008,7 @@
           <a:p>
             <a:r>
               <a:rPr kumimoji="1" lang="zh-CN" altLang="en-US" dirty="0" smtClean="0"/>
-              <a:t>将视频上的</a:t>
+              <a:t>获取摄像头权限，并将视频流转成</a:t>
             </a:r>
             <a:r>
               <a:rPr kumimoji="1" lang="en-US" altLang="zh-CN" dirty="0" smtClean="0"/>
@@ -906,31 +1016,7 @@
             </a:r>
             <a:r>
               <a:rPr kumimoji="1" lang="zh-CN" altLang="en-US" dirty="0" smtClean="0"/>
-              <a:t>数据通过</a:t>
-            </a:r>
-            <a:r>
-              <a:rPr kumimoji="1" lang="en-US" altLang="zh-CN" dirty="0" smtClean="0"/>
-              <a:t>canvas</a:t>
-            </a:r>
-            <a:r>
-              <a:rPr kumimoji="1" lang="zh-CN" altLang="en-US" dirty="0" smtClean="0"/>
-              <a:t>函数绘图到</a:t>
-            </a:r>
-            <a:r>
-              <a:rPr kumimoji="1" lang="en-US" altLang="zh-CN" dirty="0" smtClean="0"/>
-              <a:t>canvas</a:t>
-            </a:r>
-            <a:r>
-              <a:rPr kumimoji="1" lang="zh-CN" altLang="en-US" dirty="0" smtClean="0"/>
-              <a:t>上，然后再转成</a:t>
-            </a:r>
-            <a:r>
-              <a:rPr kumimoji="1" lang="en-US" altLang="zh-CN" dirty="0" smtClean="0"/>
-              <a:t>base64</a:t>
-            </a:r>
-            <a:r>
-              <a:rPr kumimoji="1" lang="zh-CN" altLang="en-US" dirty="0" smtClean="0"/>
-              <a:t>的图片字符串</a:t>
+              <a:t>数据，赋值给视频</a:t>
             </a:r>
             <a:endParaRPr kumimoji="1" lang="zh-CN" altLang="en-US" dirty="0"/>
           </a:p>
@@ -962,7 +1048,7 @@
     </p:spTree>
     <p:extLst>
       <p:ext uri="{BB962C8B-B14F-4D97-AF65-F5344CB8AC3E}">
-        <p14:creationId xmlns:p14="http://schemas.microsoft.com/office/powerpoint/2010/main" val="1440477721"/>
+        <p14:creationId xmlns:p14="http://schemas.microsoft.com/office/powerpoint/2010/main" val="883196390"/>
       </p:ext>
     </p:extLst>
   </p:cSld>
@@ -1018,15 +1104,7 @@
           <a:p>
             <a:r>
               <a:rPr kumimoji="1" lang="zh-CN" altLang="en-US" dirty="0" smtClean="0"/>
-              <a:t>获取摄像头权限，并将视频流转成</a:t>
-            </a:r>
-            <a:r>
-              <a:rPr kumimoji="1" lang="en-US" altLang="zh-CN" dirty="0" smtClean="0"/>
-              <a:t>blob</a:t>
-            </a:r>
-            <a:r>
-              <a:rPr kumimoji="1" lang="zh-CN" altLang="en-US" dirty="0" smtClean="0"/>
-              <a:t>数据，赋值给视频</a:t>
+              <a:t>回到我们最初说的，人脸检测最终都是对图像的检测，所以不管视频也好，直播也罢，最终都是在生成的图片上进行一些分析</a:t>
             </a:r>
             <a:endParaRPr kumimoji="1" lang="zh-CN" altLang="en-US" dirty="0"/>
           </a:p>
@@ -1058,7 +1136,7 @@
     </p:spTree>
     <p:extLst>
       <p:ext uri="{BB962C8B-B14F-4D97-AF65-F5344CB8AC3E}">
-        <p14:creationId xmlns:p14="http://schemas.microsoft.com/office/powerpoint/2010/main" val="883196390"/>
+        <p14:creationId xmlns:p14="http://schemas.microsoft.com/office/powerpoint/2010/main" val="636951384"/>
       </p:ext>
     </p:extLst>
   </p:cSld>
@@ -1126,7 +1204,7 @@
             </a:r>
             <a:r>
               <a:rPr lang="zh-CN" altLang="en-US" b="1" dirty="0" smtClean="0"/>
-              <a:t>语音合成技术，基于此，写了一个</a:t>
+              <a:t>语音合成技术，声音的相关属性都可以设置，基于此，写了一个</a:t>
             </a:r>
             <a:r>
               <a:rPr lang="en-US" altLang="zh-CN" b="1" dirty="0" smtClean="0"/>
@@ -1264,6 +1342,210 @@
 </p:notes>
 </file>
 
+<file path=ppt/notesSlides/notesSlide17.xml><?xml version="1.0" encoding="utf-8"?>
+<p:notes xmlns:a="http://schemas.openxmlformats.org/drawingml/2006/main" xmlns:r="http://schemas.openxmlformats.org/officeDocument/2006/relationships" xmlns:p="http://schemas.openxmlformats.org/presentationml/2006/main">
+  <p:cSld>
+    <p:spTree>
+      <p:nvGrpSpPr>
+        <p:cNvPr id="1" name=""/>
+        <p:cNvGrpSpPr/>
+        <p:nvPr/>
+      </p:nvGrpSpPr>
+      <p:grpSpPr>
+        <a:xfrm>
+          <a:off x="0" y="0"/>
+          <a:ext cx="0" cy="0"/>
+          <a:chOff x="0" y="0"/>
+          <a:chExt cx="0" cy="0"/>
+        </a:xfrm>
+      </p:grpSpPr>
+      <p:sp>
+        <p:nvSpPr>
+          <p:cNvPr id="2" name="幻灯片图像占位符 1"/>
+          <p:cNvSpPr>
+            <a:spLocks noGrp="1" noRot="1" noChangeAspect="1"/>
+          </p:cNvSpPr>
+          <p:nvPr>
+            <p:ph type="sldImg"/>
+          </p:nvPr>
+        </p:nvSpPr>
+        <p:spPr/>
+      </p:sp>
+      <p:sp>
+        <p:nvSpPr>
+          <p:cNvPr id="3" name="备注占位符 2"/>
+          <p:cNvSpPr>
+            <a:spLocks noGrp="1"/>
+          </p:cNvSpPr>
+          <p:nvPr>
+            <p:ph type="body" idx="1"/>
+          </p:nvPr>
+        </p:nvSpPr>
+        <p:spPr/>
+        <p:txBody>
+          <a:bodyPr/>
+          <a:lstStyle/>
+          <a:p>
+            <a:r>
+              <a:rPr kumimoji="1" lang="zh-CN" altLang="en-US" dirty="0" smtClean="0"/>
+              <a:t>最后再介绍一个框架，这个可就厉害了，是面向前端开发者的机器学习框架，是</a:t>
+            </a:r>
+            <a:r>
+              <a:rPr kumimoji="1" lang="en-US" altLang="zh-CN" dirty="0" smtClean="0"/>
+              <a:t>google</a:t>
+            </a:r>
+            <a:r>
+              <a:rPr kumimoji="1" lang="zh-CN" altLang="en-US" dirty="0" smtClean="0"/>
+              <a:t>在今年</a:t>
+            </a:r>
+            <a:r>
+              <a:rPr kumimoji="1" lang="en-US" altLang="zh-CN" dirty="0" smtClean="0"/>
+              <a:t>3</a:t>
+            </a:r>
+            <a:r>
+              <a:rPr kumimoji="1" lang="zh-CN" altLang="en-US" dirty="0" smtClean="0"/>
+              <a:t>月</a:t>
+            </a:r>
+            <a:r>
+              <a:rPr kumimoji="1" lang="en-US" altLang="zh-CN" dirty="0" smtClean="0"/>
+              <a:t>30</a:t>
+            </a:r>
+            <a:r>
+              <a:rPr kumimoji="1" lang="zh-CN" altLang="en-US" dirty="0" smtClean="0"/>
+              <a:t>日推出的。但是因为在前端计算量比较大，还是适合比较简单的模型，不过还好现在有了</a:t>
+            </a:r>
+            <a:r>
+              <a:rPr kumimoji="1" lang="en-US" altLang="zh-CN" dirty="0" err="1" smtClean="0"/>
+              <a:t>webworker</a:t>
+            </a:r>
+            <a:r>
+              <a:rPr kumimoji="1" lang="zh-CN" altLang="en-US" dirty="0" smtClean="0"/>
+              <a:t>，让我们有了更强的驾驭能力</a:t>
+            </a:r>
+            <a:endParaRPr kumimoji="1" lang="zh-CN" altLang="en-US" dirty="0"/>
+          </a:p>
+        </p:txBody>
+      </p:sp>
+      <p:sp>
+        <p:nvSpPr>
+          <p:cNvPr id="4" name="幻灯片编号占位符 3"/>
+          <p:cNvSpPr>
+            <a:spLocks noGrp="1"/>
+          </p:cNvSpPr>
+          <p:nvPr>
+            <p:ph type="sldNum" sz="quarter" idx="10"/>
+          </p:nvPr>
+        </p:nvSpPr>
+        <p:spPr/>
+        <p:txBody>
+          <a:bodyPr/>
+          <a:lstStyle/>
+          <a:p>
+            <a:fld id="{045F936C-D6F5-6F45-A4A6-2931CF58E9C7}" type="slidenum">
+              <a:rPr kumimoji="1" lang="zh-CN" altLang="en-US" smtClean="0"/>
+              <a:t>17</a:t>
+            </a:fld>
+            <a:endParaRPr kumimoji="1" lang="zh-CN" altLang="en-US"/>
+          </a:p>
+        </p:txBody>
+      </p:sp>
+    </p:spTree>
+    <p:extLst>
+      <p:ext uri="{BB962C8B-B14F-4D97-AF65-F5344CB8AC3E}">
+        <p14:creationId xmlns:p14="http://schemas.microsoft.com/office/powerpoint/2010/main" val="762056672"/>
+      </p:ext>
+    </p:extLst>
+  </p:cSld>
+  <p:clrMapOvr>
+    <a:masterClrMapping/>
+  </p:clrMapOvr>
+</p:notes>
+</file>
+
+<file path=ppt/notesSlides/notesSlide18.xml><?xml version="1.0" encoding="utf-8"?>
+<p:notes xmlns:a="http://schemas.openxmlformats.org/drawingml/2006/main" xmlns:r="http://schemas.openxmlformats.org/officeDocument/2006/relationships" xmlns:p="http://schemas.openxmlformats.org/presentationml/2006/main">
+  <p:cSld>
+    <p:spTree>
+      <p:nvGrpSpPr>
+        <p:cNvPr id="1" name=""/>
+        <p:cNvGrpSpPr/>
+        <p:nvPr/>
+      </p:nvGrpSpPr>
+      <p:grpSpPr>
+        <a:xfrm>
+          <a:off x="0" y="0"/>
+          <a:ext cx="0" cy="0"/>
+          <a:chOff x="0" y="0"/>
+          <a:chExt cx="0" cy="0"/>
+        </a:xfrm>
+      </p:grpSpPr>
+      <p:sp>
+        <p:nvSpPr>
+          <p:cNvPr id="2" name="幻灯片图像占位符 1"/>
+          <p:cNvSpPr>
+            <a:spLocks noGrp="1" noRot="1" noChangeAspect="1"/>
+          </p:cNvSpPr>
+          <p:nvPr>
+            <p:ph type="sldImg"/>
+          </p:nvPr>
+        </p:nvSpPr>
+        <p:spPr/>
+      </p:sp>
+      <p:sp>
+        <p:nvSpPr>
+          <p:cNvPr id="3" name="备注占位符 2"/>
+          <p:cNvSpPr>
+            <a:spLocks noGrp="1"/>
+          </p:cNvSpPr>
+          <p:nvPr>
+            <p:ph type="body" idx="1"/>
+          </p:nvPr>
+        </p:nvSpPr>
+        <p:spPr/>
+        <p:txBody>
+          <a:bodyPr/>
+          <a:lstStyle/>
+          <a:p>
+            <a:endParaRPr kumimoji="1" lang="zh-CN" altLang="en-US" dirty="0"/>
+          </a:p>
+        </p:txBody>
+      </p:sp>
+      <p:sp>
+        <p:nvSpPr>
+          <p:cNvPr id="4" name="幻灯片编号占位符 3"/>
+          <p:cNvSpPr>
+            <a:spLocks noGrp="1"/>
+          </p:cNvSpPr>
+          <p:nvPr>
+            <p:ph type="sldNum" sz="quarter" idx="10"/>
+          </p:nvPr>
+        </p:nvSpPr>
+        <p:spPr/>
+        <p:txBody>
+          <a:bodyPr/>
+          <a:lstStyle/>
+          <a:p>
+            <a:fld id="{045F936C-D6F5-6F45-A4A6-2931CF58E9C7}" type="slidenum">
+              <a:rPr kumimoji="1" lang="zh-CN" altLang="en-US" smtClean="0"/>
+              <a:t>18</a:t>
+            </a:fld>
+            <a:endParaRPr kumimoji="1" lang="zh-CN" altLang="en-US"/>
+          </a:p>
+        </p:txBody>
+      </p:sp>
+    </p:spTree>
+    <p:extLst>
+      <p:ext uri="{BB962C8B-B14F-4D97-AF65-F5344CB8AC3E}">
+        <p14:creationId xmlns:p14="http://schemas.microsoft.com/office/powerpoint/2010/main" val="111823986"/>
+      </p:ext>
+    </p:extLst>
+  </p:cSld>
+  <p:clrMapOvr>
+    <a:masterClrMapping/>
+  </p:clrMapOvr>
+</p:notes>
+</file>
+
 <file path=ppt/notesSlides/notesSlide2.xml><?xml version="1.0" encoding="utf-8"?>
 <p:notes xmlns:a="http://schemas.openxmlformats.org/drawingml/2006/main" xmlns:r="http://schemas.openxmlformats.org/officeDocument/2006/relationships" xmlns:p="http://schemas.openxmlformats.org/presentationml/2006/main">
   <p:cSld>
@@ -1782,7 +2064,40 @@
           <a:p>
             <a:r>
               <a:rPr kumimoji="1" lang="zh-CN" altLang="en-US" dirty="0" smtClean="0"/>
-              <a:t>那么我们今天主要关注人脸识别，首先我们先来看个对比图打打鸡血</a:t>
+              <a:t>那么我们今天主要关注人脸识别，首先我们先来看个对比图打打鸡血，设置</a:t>
+            </a:r>
+            <a:r>
+              <a:rPr lang="en-US" altLang="zh-CN" sz="1200" kern="1200" dirty="0" smtClean="0">
+                <a:solidFill>
+                  <a:schemeClr val="tx1"/>
+                </a:solidFill>
+                <a:latin typeface="+mn-lt"/>
+                <a:ea typeface="+mn-ea"/>
+                <a:cs typeface="+mn-cs"/>
+              </a:rPr>
+              <a:t>chrome://flags/#enable-experimental-web-platform-features</a:t>
+            </a:r>
+            <a:r>
+              <a:rPr lang="zh-CN" altLang="en-US" sz="1200" kern="1200" dirty="0" smtClean="0">
+                <a:solidFill>
+                  <a:schemeClr val="tx1"/>
+                </a:solidFill>
+                <a:latin typeface="+mn-lt"/>
+                <a:ea typeface="+mn-ea"/>
+                <a:cs typeface="+mn-cs"/>
+              </a:rPr>
+              <a:t>为</a:t>
+            </a:r>
+            <a:r>
+              <a:rPr lang="en-US" altLang="zh-CN" sz="1200" kern="1200" dirty="0" smtClean="0">
+                <a:solidFill>
+                  <a:schemeClr val="tx1"/>
+                </a:solidFill>
+                <a:latin typeface="+mn-lt"/>
+                <a:ea typeface="+mn-ea"/>
+                <a:cs typeface="+mn-cs"/>
+              </a:rPr>
+              <a:t>enable</a:t>
             </a:r>
             <a:endParaRPr kumimoji="1" lang="zh-CN" altLang="en-US" dirty="0"/>
           </a:p>
@@ -5044,137 +5359,6 @@
           <a:chExt cx="0" cy="0"/>
         </a:xfrm>
       </p:grpSpPr>
-      <p:sp>
-        <p:nvSpPr>
-          <p:cNvPr id="3" name="内容占位符 2"/>
-          <p:cNvSpPr>
-            <a:spLocks noGrp="1"/>
-          </p:cNvSpPr>
-          <p:nvPr>
-            <p:ph idx="1"/>
-          </p:nvPr>
-        </p:nvSpPr>
-        <p:spPr>
-          <a:xfrm>
-            <a:off x="838200" y="586854"/>
-            <a:ext cx="10515600" cy="5590109"/>
-          </a:xfrm>
-        </p:spPr>
-        <p:txBody>
-          <a:bodyPr/>
-          <a:lstStyle/>
-          <a:p>
-            <a:pPr marL="0" indent="0" algn="ctr">
-              <a:buNone/>
-            </a:pPr>
-            <a:endParaRPr kumimoji="1" lang="en-US" altLang="zh-CN" dirty="0" smtClean="0">
-              <a:hlinkClick r:id="rId3"/>
-            </a:endParaRPr>
-          </a:p>
-          <a:p>
-            <a:pPr marL="0" indent="0" algn="ctr">
-              <a:buNone/>
-            </a:pPr>
-            <a:endParaRPr kumimoji="1" lang="en-US" altLang="zh-CN" dirty="0">
-              <a:hlinkClick r:id="rId3"/>
-            </a:endParaRPr>
-          </a:p>
-          <a:p>
-            <a:pPr marL="0" indent="0" algn="ctr">
-              <a:buNone/>
-            </a:pPr>
-            <a:endParaRPr kumimoji="1" lang="en-US" altLang="zh-CN" dirty="0" smtClean="0">
-              <a:hlinkClick r:id="rId3"/>
-            </a:endParaRPr>
-          </a:p>
-          <a:p>
-            <a:pPr marL="0" indent="0" algn="ctr">
-              <a:buNone/>
-            </a:pPr>
-            <a:endParaRPr kumimoji="1" lang="en-US" altLang="zh-CN" sz="4400" dirty="0" smtClean="0">
-              <a:latin typeface="STKaiti" charset="-122"/>
-              <a:ea typeface="STKaiti" charset="-122"/>
-              <a:cs typeface="STKaiti" charset="-122"/>
-              <a:hlinkClick r:id="rId3"/>
-            </a:endParaRPr>
-          </a:p>
-          <a:p>
-            <a:pPr marL="0" indent="0" algn="ctr">
-              <a:buNone/>
-            </a:pPr>
-            <a:endParaRPr kumimoji="1" lang="en-US" altLang="zh-CN" dirty="0">
-              <a:hlinkClick r:id="rId3"/>
-            </a:endParaRPr>
-          </a:p>
-        </p:txBody>
-      </p:sp>
-      <p:pic>
-        <p:nvPicPr>
-          <p:cNvPr id="2" name="图片 1"/>
-          <p:cNvPicPr>
-            <a:picLocks noChangeAspect="1"/>
-          </p:cNvPicPr>
-          <p:nvPr/>
-        </p:nvPicPr>
-        <p:blipFill>
-          <a:blip r:embed="rId4">
-            <a:extLst>
-              <a:ext uri="{28A0092B-C50C-407E-A947-70E740481C1C}">
-                <a14:useLocalDpi xmlns:a14="http://schemas.microsoft.com/office/drawing/2010/main" val="0"/>
-              </a:ext>
-            </a:extLst>
-          </a:blip>
-          <a:stretch>
-            <a:fillRect/>
-          </a:stretch>
-        </p:blipFill>
-        <p:spPr>
-          <a:xfrm>
-            <a:off x="2984500" y="0"/>
-            <a:ext cx="6222287" cy="6858000"/>
-          </a:xfrm>
-          <a:prstGeom prst="rect">
-            <a:avLst/>
-          </a:prstGeom>
-        </p:spPr>
-      </p:pic>
-    </p:spTree>
-    <p:extLst>
-      <p:ext uri="{BB962C8B-B14F-4D97-AF65-F5344CB8AC3E}">
-        <p14:creationId xmlns:p14="http://schemas.microsoft.com/office/powerpoint/2010/main" val="83346004"/>
-      </p:ext>
-    </p:extLst>
-  </p:cSld>
-  <p:clrMapOvr>
-    <a:masterClrMapping/>
-  </p:clrMapOvr>
-  <p:timing>
-    <p:tnLst>
-      <p:par>
-        <p:cTn id="1" dur="indefinite" restart="never" nodeType="tmRoot"/>
-      </p:par>
-    </p:tnLst>
-  </p:timing>
-</p:sld>
-</file>
-
-<file path=ppt/slides/slide11.xml><?xml version="1.0" encoding="utf-8"?>
-<p:sld xmlns:a="http://schemas.openxmlformats.org/drawingml/2006/main" xmlns:r="http://schemas.openxmlformats.org/officeDocument/2006/relationships" xmlns:p="http://schemas.openxmlformats.org/presentationml/2006/main">
-  <p:cSld>
-    <p:spTree>
-      <p:nvGrpSpPr>
-        <p:cNvPr id="1" name=""/>
-        <p:cNvGrpSpPr/>
-        <p:nvPr/>
-      </p:nvGrpSpPr>
-      <p:grpSpPr>
-        <a:xfrm>
-          <a:off x="0" y="0"/>
-          <a:ext cx="0" cy="0"/>
-          <a:chOff x="0" y="0"/>
-          <a:chExt cx="0" cy="0"/>
-        </a:xfrm>
-      </p:grpSpPr>
       <p:pic>
         <p:nvPicPr>
           <p:cNvPr id="5" name="图片 4"/>
@@ -5225,7 +5409,7 @@
 </p:sld>
 </file>
 
-<file path=ppt/slides/slide12.xml><?xml version="1.0" encoding="utf-8"?>
+<file path=ppt/slides/slide11.xml><?xml version="1.0" encoding="utf-8"?>
 <p:sld xmlns:a="http://schemas.openxmlformats.org/drawingml/2006/main" xmlns:r="http://schemas.openxmlformats.org/officeDocument/2006/relationships" xmlns:p="http://schemas.openxmlformats.org/presentationml/2006/main">
   <p:cSld>
     <p:spTree>
@@ -5266,9 +5450,39 @@
         </p:blipFill>
         <p:spPr>
           <a:xfrm>
-            <a:off x="237699" y="2635273"/>
+            <a:off x="361278" y="233267"/>
             <a:ext cx="11830722" cy="1472703"/>
           </a:xfrm>
+        </p:spPr>
+      </p:pic>
+      <p:pic>
+        <p:nvPicPr>
+          <p:cNvPr id="2" name="图片 1"/>
+          <p:cNvPicPr>
+            <a:picLocks noChangeAspect="1"/>
+          </p:cNvPicPr>
+          <p:nvPr/>
+        </p:nvPicPr>
+        <p:blipFill>
+          <a:blip r:embed="rId4">
+            <a:extLst>
+              <a:ext uri="{28A0092B-C50C-407E-A947-70E740481C1C}">
+                <a14:useLocalDpi xmlns:a14="http://schemas.microsoft.com/office/drawing/2010/main" val="0"/>
+              </a:ext>
+            </a:extLst>
+          </a:blip>
+          <a:stretch>
+            <a:fillRect/>
+          </a:stretch>
+        </p:blipFill>
+        <p:spPr>
+          <a:xfrm>
+            <a:off x="1745397" y="2074459"/>
+            <a:ext cx="8121932" cy="4305869"/>
+          </a:xfrm>
+          <a:prstGeom prst="rect">
+            <a:avLst/>
+          </a:prstGeom>
         </p:spPr>
       </p:pic>
     </p:spTree>
@@ -5284,9 +5498,529 @@
   <p:timing>
     <p:tnLst>
       <p:par>
-        <p:cTn id="1" dur="indefinite" restart="never" nodeType="tmRoot"/>
+        <p:cTn id="1" dur="indefinite" restart="never" nodeType="tmRoot">
+          <p:childTnLst>
+            <p:seq concurrent="1" nextAc="seek">
+              <p:cTn id="2" dur="indefinite" nodeType="mainSeq">
+                <p:childTnLst>
+                  <p:par>
+                    <p:cTn id="3" fill="hold">
+                      <p:stCondLst>
+                        <p:cond delay="indefinite"/>
+                      </p:stCondLst>
+                      <p:childTnLst>
+                        <p:par>
+                          <p:cTn id="4" fill="hold">
+                            <p:stCondLst>
+                              <p:cond delay="0"/>
+                            </p:stCondLst>
+                            <p:childTnLst>
+                              <p:par>
+                                <p:cTn id="5" presetID="5" presetClass="entr" presetSubtype="10" fill="hold" nodeType="clickEffect">
+                                  <p:stCondLst>
+                                    <p:cond delay="0"/>
+                                  </p:stCondLst>
+                                  <p:childTnLst>
+                                    <p:set>
+                                      <p:cBhvr>
+                                        <p:cTn id="6" dur="1" fill="hold">
+                                          <p:stCondLst>
+                                            <p:cond delay="0"/>
+                                          </p:stCondLst>
+                                        </p:cTn>
+                                        <p:tgtEl>
+                                          <p:spTgt spid="2"/>
+                                        </p:tgtEl>
+                                        <p:attrNameLst>
+                                          <p:attrName>style.visibility</p:attrName>
+                                        </p:attrNameLst>
+                                      </p:cBhvr>
+                                      <p:to>
+                                        <p:strVal val="visible"/>
+                                      </p:to>
+                                    </p:set>
+                                    <p:animEffect transition="in" filter="checkerboard(across)">
+                                      <p:cBhvr>
+                                        <p:cTn id="7" dur="500"/>
+                                        <p:tgtEl>
+                                          <p:spTgt spid="2"/>
+                                        </p:tgtEl>
+                                      </p:cBhvr>
+                                    </p:animEffect>
+                                  </p:childTnLst>
+                                </p:cTn>
+                              </p:par>
+                            </p:childTnLst>
+                          </p:cTn>
+                        </p:par>
+                      </p:childTnLst>
+                    </p:cTn>
+                  </p:par>
+                </p:childTnLst>
+              </p:cTn>
+              <p:prevCondLst>
+                <p:cond evt="onPrev" delay="0">
+                  <p:tgtEl>
+                    <p:sldTgt/>
+                  </p:tgtEl>
+                </p:cond>
+              </p:prevCondLst>
+              <p:nextCondLst>
+                <p:cond evt="onNext" delay="0">
+                  <p:tgtEl>
+                    <p:sldTgt/>
+                  </p:tgtEl>
+                </p:cond>
+              </p:nextCondLst>
+            </p:seq>
+          </p:childTnLst>
+        </p:cTn>
       </p:par>
     </p:tnLst>
+  </p:timing>
+</p:sld>
+</file>
+
+<file path=ppt/slides/slide12.xml><?xml version="1.0" encoding="utf-8"?>
+<p:sld xmlns:a="http://schemas.openxmlformats.org/drawingml/2006/main" xmlns:r="http://schemas.openxmlformats.org/officeDocument/2006/relationships" xmlns:p="http://schemas.openxmlformats.org/presentationml/2006/main">
+  <p:cSld>
+    <p:spTree>
+      <p:nvGrpSpPr>
+        <p:cNvPr id="1" name=""/>
+        <p:cNvGrpSpPr/>
+        <p:nvPr/>
+      </p:nvGrpSpPr>
+      <p:grpSpPr>
+        <a:xfrm>
+          <a:off x="0" y="0"/>
+          <a:ext cx="0" cy="0"/>
+          <a:chOff x="0" y="0"/>
+          <a:chExt cx="0" cy="0"/>
+        </a:xfrm>
+      </p:grpSpPr>
+      <p:pic>
+        <p:nvPicPr>
+          <p:cNvPr id="7" name="内容占位符 6"/>
+          <p:cNvPicPr>
+            <a:picLocks noGrp="1" noChangeAspect="1"/>
+          </p:cNvPicPr>
+          <p:nvPr>
+            <p:ph idx="1"/>
+          </p:nvPr>
+        </p:nvPicPr>
+        <p:blipFill>
+          <a:blip r:embed="rId3">
+            <a:extLst>
+              <a:ext uri="{28A0092B-C50C-407E-A947-70E740481C1C}">
+                <a14:useLocalDpi xmlns:a14="http://schemas.microsoft.com/office/drawing/2010/main" val="0"/>
+              </a:ext>
+            </a:extLst>
+          </a:blip>
+          <a:stretch>
+            <a:fillRect/>
+          </a:stretch>
+        </p:blipFill>
+        <p:spPr>
+          <a:xfrm>
+            <a:off x="188960" y="1567966"/>
+            <a:ext cx="11710612" cy="738506"/>
+          </a:xfrm>
+        </p:spPr>
+      </p:pic>
+      <p:sp>
+        <p:nvSpPr>
+          <p:cNvPr id="8" name="文本框 7"/>
+          <p:cNvSpPr txBox="1"/>
+          <p:nvPr/>
+        </p:nvSpPr>
+        <p:spPr>
+          <a:xfrm>
+            <a:off x="278725" y="3916907"/>
+            <a:ext cx="11531082" cy="769441"/>
+          </a:xfrm>
+          <a:prstGeom prst="rect">
+            <a:avLst/>
+          </a:prstGeom>
+          <a:noFill/>
+          <a:effectLst>
+            <a:glow rad="850900">
+              <a:schemeClr val="accent1">
+                <a:alpha val="40000"/>
+              </a:schemeClr>
+            </a:glow>
+            <a:outerShdw blurRad="50800" dist="101600" dir="5400000" algn="ctr" rotWithShape="0">
+              <a:srgbClr val="000000">
+                <a:alpha val="84000"/>
+              </a:srgbClr>
+            </a:outerShdw>
+            <a:softEdge rad="406400"/>
+          </a:effectLst>
+        </p:spPr>
+        <p:txBody>
+          <a:bodyPr wrap="square" rtlCol="0">
+            <a:spAutoFit/>
+          </a:bodyPr>
+          <a:lstStyle/>
+          <a:p>
+            <a:pPr algn="ctr"/>
+            <a:r>
+              <a:rPr lang="en-US" altLang="zh-CN" sz="4400" dirty="0" err="1">
+                <a:solidFill>
+                  <a:schemeClr val="accent1">
+                    <a:lumMod val="75000"/>
+                  </a:schemeClr>
+                </a:solidFill>
+              </a:rPr>
+              <a:t>requestAnimationFrame</a:t>
+            </a:r>
+            <a:endParaRPr lang="en-US" altLang="zh-CN" sz="4400" dirty="0">
+              <a:solidFill>
+                <a:schemeClr val="accent1">
+                  <a:lumMod val="75000"/>
+                </a:schemeClr>
+              </a:solidFill>
+            </a:endParaRPr>
+          </a:p>
+        </p:txBody>
+      </p:sp>
+    </p:spTree>
+    <p:extLst>
+      <p:ext uri="{BB962C8B-B14F-4D97-AF65-F5344CB8AC3E}">
+        <p14:creationId xmlns:p14="http://schemas.microsoft.com/office/powerpoint/2010/main" val="395425523"/>
+      </p:ext>
+    </p:extLst>
+  </p:cSld>
+  <p:clrMapOvr>
+    <a:masterClrMapping/>
+  </p:clrMapOvr>
+  <p:timing>
+    <p:tnLst>
+      <p:par>
+        <p:cTn id="1" dur="indefinite" restart="never" nodeType="tmRoot">
+          <p:childTnLst>
+            <p:seq concurrent="1" nextAc="seek">
+              <p:cTn id="2" dur="indefinite" nodeType="mainSeq">
+                <p:childTnLst>
+                  <p:par>
+                    <p:cTn id="3" fill="hold">
+                      <p:stCondLst>
+                        <p:cond delay="indefinite"/>
+                      </p:stCondLst>
+                      <p:childTnLst>
+                        <p:par>
+                          <p:cTn id="4" fill="hold">
+                            <p:stCondLst>
+                              <p:cond delay="0"/>
+                            </p:stCondLst>
+                            <p:childTnLst>
+                              <p:par>
+                                <p:cTn id="5" presetID="26" presetClass="entr" presetSubtype="0" fill="hold" grpId="0" nodeType="clickEffect">
+                                  <p:stCondLst>
+                                    <p:cond delay="0"/>
+                                  </p:stCondLst>
+                                  <p:childTnLst>
+                                    <p:set>
+                                      <p:cBhvr>
+                                        <p:cTn id="6" dur="1" fill="hold">
+                                          <p:stCondLst>
+                                            <p:cond delay="0"/>
+                                          </p:stCondLst>
+                                        </p:cTn>
+                                        <p:tgtEl>
+                                          <p:spTgt spid="8"/>
+                                        </p:tgtEl>
+                                        <p:attrNameLst>
+                                          <p:attrName>style.visibility</p:attrName>
+                                        </p:attrNameLst>
+                                      </p:cBhvr>
+                                      <p:to>
+                                        <p:strVal val="visible"/>
+                                      </p:to>
+                                    </p:set>
+                                    <p:animEffect transition="in" filter="wipe(down)">
+                                      <p:cBhvr>
+                                        <p:cTn id="7" dur="580">
+                                          <p:stCondLst>
+                                            <p:cond delay="0"/>
+                                          </p:stCondLst>
+                                        </p:cTn>
+                                        <p:tgtEl>
+                                          <p:spTgt spid="8"/>
+                                        </p:tgtEl>
+                                      </p:cBhvr>
+                                    </p:animEffect>
+                                    <p:anim calcmode="lin" valueType="num">
+                                      <p:cBhvr>
+                                        <p:cTn id="8" dur="1822" tmFilter="0,0; 0.14,0.36; 0.43,0.73; 0.71,0.91; 1.0,1.0">
+                                          <p:stCondLst>
+                                            <p:cond delay="0"/>
+                                          </p:stCondLst>
+                                        </p:cTn>
+                                        <p:tgtEl>
+                                          <p:spTgt spid="8"/>
+                                        </p:tgtEl>
+                                        <p:attrNameLst>
+                                          <p:attrName>ppt_x</p:attrName>
+                                        </p:attrNameLst>
+                                      </p:cBhvr>
+                                      <p:tavLst>
+                                        <p:tav tm="0">
+                                          <p:val>
+                                            <p:strVal val="#ppt_x-0.25"/>
+                                          </p:val>
+                                        </p:tav>
+                                        <p:tav tm="100000">
+                                          <p:val>
+                                            <p:strVal val="#ppt_x"/>
+                                          </p:val>
+                                        </p:tav>
+                                      </p:tavLst>
+                                    </p:anim>
+                                    <p:anim calcmode="lin" valueType="num">
+                                      <p:cBhvr>
+                                        <p:cTn id="9" dur="664" tmFilter="0.0,0.0; 0.25,0.07; 0.50,0.2; 0.75,0.467; 1.0,1.0">
+                                          <p:stCondLst>
+                                            <p:cond delay="0"/>
+                                          </p:stCondLst>
+                                        </p:cTn>
+                                        <p:tgtEl>
+                                          <p:spTgt spid="8"/>
+                                        </p:tgtEl>
+                                        <p:attrNameLst>
+                                          <p:attrName>ppt_y</p:attrName>
+                                        </p:attrNameLst>
+                                      </p:cBhvr>
+                                      <p:tavLst>
+                                        <p:tav tm="0" fmla="#ppt_y-sin(pi*$)/3">
+                                          <p:val>
+                                            <p:fltVal val="0.5"/>
+                                          </p:val>
+                                        </p:tav>
+                                        <p:tav tm="100000">
+                                          <p:val>
+                                            <p:fltVal val="1"/>
+                                          </p:val>
+                                        </p:tav>
+                                      </p:tavLst>
+                                    </p:anim>
+                                    <p:anim calcmode="lin" valueType="num">
+                                      <p:cBhvr>
+                                        <p:cTn id="10" dur="664" tmFilter="0, 0; 0.125,0.2665; 0.25,0.4; 0.375,0.465; 0.5,0.5;  0.625,0.535; 0.75,0.6; 0.875,0.7335; 1,1">
+                                          <p:stCondLst>
+                                            <p:cond delay="664"/>
+                                          </p:stCondLst>
+                                        </p:cTn>
+                                        <p:tgtEl>
+                                          <p:spTgt spid="8"/>
+                                        </p:tgtEl>
+                                        <p:attrNameLst>
+                                          <p:attrName>ppt_y</p:attrName>
+                                        </p:attrNameLst>
+                                      </p:cBhvr>
+                                      <p:tavLst>
+                                        <p:tav tm="0" fmla="#ppt_y-sin(pi*$)/9">
+                                          <p:val>
+                                            <p:fltVal val="0"/>
+                                          </p:val>
+                                        </p:tav>
+                                        <p:tav tm="100000">
+                                          <p:val>
+                                            <p:fltVal val="1"/>
+                                          </p:val>
+                                        </p:tav>
+                                      </p:tavLst>
+                                    </p:anim>
+                                    <p:anim calcmode="lin" valueType="num">
+                                      <p:cBhvr>
+                                        <p:cTn id="11" dur="332" tmFilter="0, 0; 0.125,0.2665; 0.25,0.4; 0.375,0.465; 0.5,0.5;  0.625,0.535; 0.75,0.6; 0.875,0.7335; 1,1">
+                                          <p:stCondLst>
+                                            <p:cond delay="1324"/>
+                                          </p:stCondLst>
+                                        </p:cTn>
+                                        <p:tgtEl>
+                                          <p:spTgt spid="8"/>
+                                        </p:tgtEl>
+                                        <p:attrNameLst>
+                                          <p:attrName>ppt_y</p:attrName>
+                                        </p:attrNameLst>
+                                      </p:cBhvr>
+                                      <p:tavLst>
+                                        <p:tav tm="0" fmla="#ppt_y-sin(pi*$)/27">
+                                          <p:val>
+                                            <p:fltVal val="0"/>
+                                          </p:val>
+                                        </p:tav>
+                                        <p:tav tm="100000">
+                                          <p:val>
+                                            <p:fltVal val="1"/>
+                                          </p:val>
+                                        </p:tav>
+                                      </p:tavLst>
+                                    </p:anim>
+                                    <p:anim calcmode="lin" valueType="num">
+                                      <p:cBhvr>
+                                        <p:cTn id="12" dur="164" tmFilter="0, 0; 0.125,0.2665; 0.25,0.4; 0.375,0.465; 0.5,0.5;  0.625,0.535; 0.75,0.6; 0.875,0.7335; 1,1">
+                                          <p:stCondLst>
+                                            <p:cond delay="1656"/>
+                                          </p:stCondLst>
+                                        </p:cTn>
+                                        <p:tgtEl>
+                                          <p:spTgt spid="8"/>
+                                        </p:tgtEl>
+                                        <p:attrNameLst>
+                                          <p:attrName>ppt_y</p:attrName>
+                                        </p:attrNameLst>
+                                      </p:cBhvr>
+                                      <p:tavLst>
+                                        <p:tav tm="0" fmla="#ppt_y-sin(pi*$)/81">
+                                          <p:val>
+                                            <p:fltVal val="0"/>
+                                          </p:val>
+                                        </p:tav>
+                                        <p:tav tm="100000">
+                                          <p:val>
+                                            <p:fltVal val="1"/>
+                                          </p:val>
+                                        </p:tav>
+                                      </p:tavLst>
+                                    </p:anim>
+                                    <p:animScale>
+                                      <p:cBhvr>
+                                        <p:cTn id="13" dur="26">
+                                          <p:stCondLst>
+                                            <p:cond delay="650"/>
+                                          </p:stCondLst>
+                                        </p:cTn>
+                                        <p:tgtEl>
+                                          <p:spTgt spid="8"/>
+                                        </p:tgtEl>
+                                      </p:cBhvr>
+                                      <p:to x="100000" y="60000"/>
+                                    </p:animScale>
+                                    <p:animScale>
+                                      <p:cBhvr>
+                                        <p:cTn id="14" dur="166" decel="50000">
+                                          <p:stCondLst>
+                                            <p:cond delay="676"/>
+                                          </p:stCondLst>
+                                        </p:cTn>
+                                        <p:tgtEl>
+                                          <p:spTgt spid="8"/>
+                                        </p:tgtEl>
+                                      </p:cBhvr>
+                                      <p:to x="100000" y="100000"/>
+                                    </p:animScale>
+                                    <p:animScale>
+                                      <p:cBhvr>
+                                        <p:cTn id="15" dur="26">
+                                          <p:stCondLst>
+                                            <p:cond delay="1312"/>
+                                          </p:stCondLst>
+                                        </p:cTn>
+                                        <p:tgtEl>
+                                          <p:spTgt spid="8"/>
+                                        </p:tgtEl>
+                                      </p:cBhvr>
+                                      <p:to x="100000" y="80000"/>
+                                    </p:animScale>
+                                    <p:animScale>
+                                      <p:cBhvr>
+                                        <p:cTn id="16" dur="166" decel="50000">
+                                          <p:stCondLst>
+                                            <p:cond delay="1338"/>
+                                          </p:stCondLst>
+                                        </p:cTn>
+                                        <p:tgtEl>
+                                          <p:spTgt spid="8"/>
+                                        </p:tgtEl>
+                                      </p:cBhvr>
+                                      <p:to x="100000" y="100000"/>
+                                    </p:animScale>
+                                    <p:animScale>
+                                      <p:cBhvr>
+                                        <p:cTn id="17" dur="26">
+                                          <p:stCondLst>
+                                            <p:cond delay="1642"/>
+                                          </p:stCondLst>
+                                        </p:cTn>
+                                        <p:tgtEl>
+                                          <p:spTgt spid="8"/>
+                                        </p:tgtEl>
+                                      </p:cBhvr>
+                                      <p:to x="100000" y="90000"/>
+                                    </p:animScale>
+                                    <p:animScale>
+                                      <p:cBhvr>
+                                        <p:cTn id="18" dur="166" decel="50000">
+                                          <p:stCondLst>
+                                            <p:cond delay="1668"/>
+                                          </p:stCondLst>
+                                        </p:cTn>
+                                        <p:tgtEl>
+                                          <p:spTgt spid="8"/>
+                                        </p:tgtEl>
+                                      </p:cBhvr>
+                                      <p:to x="100000" y="100000"/>
+                                    </p:animScale>
+                                    <p:animScale>
+                                      <p:cBhvr>
+                                        <p:cTn id="19" dur="26">
+                                          <p:stCondLst>
+                                            <p:cond delay="1808"/>
+                                          </p:stCondLst>
+                                        </p:cTn>
+                                        <p:tgtEl>
+                                          <p:spTgt spid="8"/>
+                                        </p:tgtEl>
+                                      </p:cBhvr>
+                                      <p:to x="100000" y="95000"/>
+                                    </p:animScale>
+                                    <p:animScale>
+                                      <p:cBhvr>
+                                        <p:cTn id="20" dur="166" decel="50000">
+                                          <p:stCondLst>
+                                            <p:cond delay="1834"/>
+                                          </p:stCondLst>
+                                        </p:cTn>
+                                        <p:tgtEl>
+                                          <p:spTgt spid="8"/>
+                                        </p:tgtEl>
+                                      </p:cBhvr>
+                                      <p:to x="100000" y="100000"/>
+                                    </p:animScale>
+                                  </p:childTnLst>
+                                </p:cTn>
+                              </p:par>
+                            </p:childTnLst>
+                          </p:cTn>
+                        </p:par>
+                      </p:childTnLst>
+                    </p:cTn>
+                  </p:par>
+                </p:childTnLst>
+              </p:cTn>
+              <p:prevCondLst>
+                <p:cond evt="onPrev" delay="0">
+                  <p:tgtEl>
+                    <p:sldTgt/>
+                  </p:tgtEl>
+                </p:cond>
+              </p:prevCondLst>
+              <p:nextCondLst>
+                <p:cond evt="onNext" delay="0">
+                  <p:tgtEl>
+                    <p:sldTgt/>
+                  </p:tgtEl>
+                </p:cond>
+              </p:nextCondLst>
+            </p:seq>
+          </p:childTnLst>
+        </p:cTn>
+      </p:par>
+    </p:tnLst>
+    <p:bldLst>
+      <p:bldP spid="8" grpId="0"/>
+    </p:bldLst>
   </p:timing>
 </p:sld>
 </file>
@@ -5310,7 +6044,7 @@
       </p:grpSpPr>
       <p:pic>
         <p:nvPicPr>
-          <p:cNvPr id="7" name="内容占位符 6"/>
+          <p:cNvPr id="8" name="内容占位符 7"/>
           <p:cNvPicPr>
             <a:picLocks noGrp="1" noChangeAspect="1"/>
           </p:cNvPicPr>
@@ -5332,15 +6066,15 @@
         </p:blipFill>
         <p:spPr>
           <a:xfrm>
-            <a:off x="188960" y="3669721"/>
-            <a:ext cx="11710612" cy="738506"/>
+            <a:off x="838200" y="1290073"/>
+            <a:ext cx="10515600" cy="4033380"/>
           </a:xfrm>
         </p:spPr>
       </p:pic>
     </p:spTree>
     <p:extLst>
       <p:ext uri="{BB962C8B-B14F-4D97-AF65-F5344CB8AC3E}">
-        <p14:creationId xmlns:p14="http://schemas.microsoft.com/office/powerpoint/2010/main" val="395425523"/>
+        <p14:creationId xmlns:p14="http://schemas.microsoft.com/office/powerpoint/2010/main" val="1042348273"/>
       </p:ext>
     </p:extLst>
   </p:cSld>
@@ -5374,18 +6108,80 @@
           <a:chExt cx="0" cy="0"/>
         </a:xfrm>
       </p:grpSpPr>
+      <p:sp>
+        <p:nvSpPr>
+          <p:cNvPr id="3" name="内容占位符 2"/>
+          <p:cNvSpPr>
+            <a:spLocks noGrp="1"/>
+          </p:cNvSpPr>
+          <p:nvPr>
+            <p:ph idx="1"/>
+          </p:nvPr>
+        </p:nvSpPr>
+        <p:spPr>
+          <a:xfrm>
+            <a:off x="838200" y="586854"/>
+            <a:ext cx="10515600" cy="5590109"/>
+          </a:xfrm>
+        </p:spPr>
+        <p:txBody>
+          <a:bodyPr/>
+          <a:lstStyle/>
+          <a:p>
+            <a:pPr marL="0" indent="0" algn="ctr">
+              <a:buNone/>
+            </a:pPr>
+            <a:endParaRPr kumimoji="1" lang="en-US" altLang="zh-CN" dirty="0" smtClean="0">
+              <a:hlinkClick r:id="rId3"/>
+            </a:endParaRPr>
+          </a:p>
+          <a:p>
+            <a:pPr marL="0" indent="0" algn="ctr">
+              <a:buNone/>
+            </a:pPr>
+            <a:endParaRPr kumimoji="1" lang="en-US" altLang="zh-CN" dirty="0">
+              <a:hlinkClick r:id="rId3"/>
+            </a:endParaRPr>
+          </a:p>
+          <a:p>
+            <a:pPr marL="0" indent="0" algn="ctr">
+              <a:buNone/>
+            </a:pPr>
+            <a:endParaRPr kumimoji="1" lang="en-US" altLang="zh-CN" dirty="0" smtClean="0">
+              <a:hlinkClick r:id="rId3"/>
+            </a:endParaRPr>
+          </a:p>
+          <a:p>
+            <a:pPr marL="0" indent="0" algn="ctr">
+              <a:buNone/>
+            </a:pPr>
+            <a:endParaRPr kumimoji="1" lang="en-US" altLang="zh-CN" sz="4400" dirty="0" smtClean="0">
+              <a:latin typeface="STKaiti" charset="-122"/>
+              <a:ea typeface="STKaiti" charset="-122"/>
+              <a:cs typeface="STKaiti" charset="-122"/>
+              <a:hlinkClick r:id="rId3"/>
+            </a:endParaRPr>
+          </a:p>
+          <a:p>
+            <a:pPr marL="0" indent="0" algn="ctr">
+              <a:buNone/>
+            </a:pPr>
+            <a:endParaRPr kumimoji="1" lang="en-US" altLang="zh-CN" dirty="0">
+              <a:hlinkClick r:id="rId3"/>
+            </a:endParaRPr>
+          </a:p>
+        </p:txBody>
+      </p:sp>
       <p:pic>
         <p:nvPicPr>
-          <p:cNvPr id="8" name="内容占位符 7"/>
+          <p:cNvPr id="2" name="图片 1"/>
           <p:cNvPicPr>
-            <a:picLocks noGrp="1" noChangeAspect="1"/>
+            <a:picLocks noChangeAspect="1"/>
           </p:cNvPicPr>
-          <p:nvPr>
-            <p:ph idx="1"/>
-          </p:nvPr>
+          <p:nvPr/>
         </p:nvPicPr>
         <p:blipFill>
-          <a:blip r:embed="rId3">
+          <a:blip r:embed="rId4">
             <a:extLst>
               <a:ext uri="{28A0092B-C50C-407E-A947-70E740481C1C}">
                 <a14:useLocalDpi xmlns:a14="http://schemas.microsoft.com/office/drawing/2010/main" val="0"/>
@@ -5398,15 +6194,18 @@
         </p:blipFill>
         <p:spPr>
           <a:xfrm>
-            <a:off x="838200" y="1290073"/>
-            <a:ext cx="10515600" cy="4033380"/>
+            <a:off x="2984500" y="0"/>
+            <a:ext cx="6222287" cy="6858000"/>
           </a:xfrm>
+          <a:prstGeom prst="rect">
+            <a:avLst/>
+          </a:prstGeom>
         </p:spPr>
       </p:pic>
     </p:spTree>
     <p:extLst>
       <p:ext uri="{BB962C8B-B14F-4D97-AF65-F5344CB8AC3E}">
-        <p14:creationId xmlns:p14="http://schemas.microsoft.com/office/powerpoint/2010/main" val="1042348273"/>
+        <p14:creationId xmlns:p14="http://schemas.microsoft.com/office/powerpoint/2010/main" val="83346004"/>
       </p:ext>
     </p:extLst>
   </p:cSld>
@@ -6383,6 +7182,7 @@
           <a:bodyPr/>
           <a:lstStyle/>
           <a:p>
+            <a:pPr algn="ctr"/>
             <a:r>
               <a:rPr lang="en-US" altLang="zh-CN" b="1" dirty="0" err="1" smtClean="0"/>
               <a:t>tensorflow.js</a:t>
@@ -6406,6 +7206,11 @@
           <a:bodyPr/>
           <a:lstStyle/>
           <a:p>
+            <a:pPr>
+              <a:lnSpc>
+                <a:spcPct val="140000"/>
+              </a:lnSpc>
+            </a:pPr>
             <a:r>
               <a:rPr lang="en-US" altLang="zh-CN" dirty="0" err="1"/>
               <a:t>tensorflow.js</a:t>
@@ -6448,7 +7253,31 @@
             </a:r>
             <a:r>
               <a:rPr lang="zh-CN" altLang="en-US" dirty="0"/>
-              <a:t>在学习尤其是网络扩大的时候能够有更好的性能表现</a:t>
+              <a:t>在学习尤其是网络扩大的时候能够有更好的性能</a:t>
+            </a:r>
+            <a:r>
+              <a:rPr lang="zh-CN" altLang="en-US" dirty="0" smtClean="0"/>
+              <a:t>表现</a:t>
+            </a:r>
+            <a:endParaRPr lang="en-US" altLang="zh-CN" dirty="0" smtClean="0"/>
+          </a:p>
+          <a:p>
+            <a:pPr>
+              <a:lnSpc>
+                <a:spcPct val="140000"/>
+              </a:lnSpc>
+            </a:pPr>
+            <a:endParaRPr lang="en-US" altLang="zh-CN" dirty="0"/>
+          </a:p>
+          <a:p>
+            <a:pPr>
+              <a:lnSpc>
+                <a:spcPct val="140000"/>
+              </a:lnSpc>
+            </a:pPr>
+            <a:r>
+              <a:rPr lang="zh-CN" altLang="en-US" dirty="0"/>
+              <a:t>用户可以完全在浏览器定义、训练和运行机器学习模型</a:t>
             </a:r>
             <a:r>
               <a:rPr lang="zh-CN" altLang="en-US" dirty="0" smtClean="0"/>
@@ -6465,6 +7294,220 @@
     <p:extLst>
       <p:ext uri="{BB962C8B-B14F-4D97-AF65-F5344CB8AC3E}">
         <p14:creationId xmlns:p14="http://schemas.microsoft.com/office/powerpoint/2010/main" val="1574012424"/>
+      </p:ext>
+    </p:extLst>
+  </p:cSld>
+  <p:clrMapOvr>
+    <a:masterClrMapping/>
+  </p:clrMapOvr>
+  <p:timing>
+    <p:tnLst>
+      <p:par>
+        <p:cTn id="1" dur="indefinite" restart="never" nodeType="tmRoot">
+          <p:childTnLst>
+            <p:seq concurrent="1" nextAc="seek">
+              <p:cTn id="2" dur="indefinite" nodeType="mainSeq">
+                <p:childTnLst>
+                  <p:par>
+                    <p:cTn id="3" fill="hold">
+                      <p:stCondLst>
+                        <p:cond delay="indefinite"/>
+                      </p:stCondLst>
+                      <p:childTnLst>
+                        <p:par>
+                          <p:cTn id="4" fill="hold">
+                            <p:stCondLst>
+                              <p:cond delay="0"/>
+                            </p:stCondLst>
+                            <p:childTnLst>
+                              <p:par>
+                                <p:cTn id="5" presetID="16" presetClass="entr" presetSubtype="21" fill="hold" grpId="0" nodeType="clickEffect">
+                                  <p:stCondLst>
+                                    <p:cond delay="0"/>
+                                  </p:stCondLst>
+                                  <p:childTnLst>
+                                    <p:set>
+                                      <p:cBhvr>
+                                        <p:cTn id="6" dur="1" fill="hold">
+                                          <p:stCondLst>
+                                            <p:cond delay="0"/>
+                                          </p:stCondLst>
+                                        </p:cTn>
+                                        <p:tgtEl>
+                                          <p:spTgt spid="3">
+                                            <p:txEl>
+                                              <p:pRg st="0" end="0"/>
+                                            </p:txEl>
+                                          </p:spTgt>
+                                        </p:tgtEl>
+                                        <p:attrNameLst>
+                                          <p:attrName>style.visibility</p:attrName>
+                                        </p:attrNameLst>
+                                      </p:cBhvr>
+                                      <p:to>
+                                        <p:strVal val="visible"/>
+                                      </p:to>
+                                    </p:set>
+                                    <p:animEffect transition="in" filter="barn(inVertical)">
+                                      <p:cBhvr>
+                                        <p:cTn id="7" dur="500"/>
+                                        <p:tgtEl>
+                                          <p:spTgt spid="3">
+                                            <p:txEl>
+                                              <p:pRg st="0" end="0"/>
+                                            </p:txEl>
+                                          </p:spTgt>
+                                        </p:tgtEl>
+                                      </p:cBhvr>
+                                    </p:animEffect>
+                                  </p:childTnLst>
+                                </p:cTn>
+                              </p:par>
+                            </p:childTnLst>
+                          </p:cTn>
+                        </p:par>
+                      </p:childTnLst>
+                    </p:cTn>
+                  </p:par>
+                  <p:par>
+                    <p:cTn id="8" fill="hold">
+                      <p:stCondLst>
+                        <p:cond delay="indefinite"/>
+                      </p:stCondLst>
+                      <p:childTnLst>
+                        <p:par>
+                          <p:cTn id="9" fill="hold">
+                            <p:stCondLst>
+                              <p:cond delay="0"/>
+                            </p:stCondLst>
+                            <p:childTnLst>
+                              <p:par>
+                                <p:cTn id="10" presetID="16" presetClass="entr" presetSubtype="21" fill="hold" grpId="0" nodeType="clickEffect">
+                                  <p:stCondLst>
+                                    <p:cond delay="0"/>
+                                  </p:stCondLst>
+                                  <p:childTnLst>
+                                    <p:set>
+                                      <p:cBhvr>
+                                        <p:cTn id="11" dur="1" fill="hold">
+                                          <p:stCondLst>
+                                            <p:cond delay="0"/>
+                                          </p:stCondLst>
+                                        </p:cTn>
+                                        <p:tgtEl>
+                                          <p:spTgt spid="3">
+                                            <p:txEl>
+                                              <p:pRg st="2" end="2"/>
+                                            </p:txEl>
+                                          </p:spTgt>
+                                        </p:tgtEl>
+                                        <p:attrNameLst>
+                                          <p:attrName>style.visibility</p:attrName>
+                                        </p:attrNameLst>
+                                      </p:cBhvr>
+                                      <p:to>
+                                        <p:strVal val="visible"/>
+                                      </p:to>
+                                    </p:set>
+                                    <p:animEffect transition="in" filter="barn(inVertical)">
+                                      <p:cBhvr>
+                                        <p:cTn id="12" dur="500"/>
+                                        <p:tgtEl>
+                                          <p:spTgt spid="3">
+                                            <p:txEl>
+                                              <p:pRg st="2" end="2"/>
+                                            </p:txEl>
+                                          </p:spTgt>
+                                        </p:tgtEl>
+                                      </p:cBhvr>
+                                    </p:animEffect>
+                                  </p:childTnLst>
+                                </p:cTn>
+                              </p:par>
+                            </p:childTnLst>
+                          </p:cTn>
+                        </p:par>
+                      </p:childTnLst>
+                    </p:cTn>
+                  </p:par>
+                </p:childTnLst>
+              </p:cTn>
+              <p:prevCondLst>
+                <p:cond evt="onPrev" delay="0">
+                  <p:tgtEl>
+                    <p:sldTgt/>
+                  </p:tgtEl>
+                </p:cond>
+              </p:prevCondLst>
+              <p:nextCondLst>
+                <p:cond evt="onNext" delay="0">
+                  <p:tgtEl>
+                    <p:sldTgt/>
+                  </p:tgtEl>
+                </p:cond>
+              </p:nextCondLst>
+            </p:seq>
+          </p:childTnLst>
+        </p:cTn>
+      </p:par>
+    </p:tnLst>
+    <p:bldLst>
+      <p:bldP spid="3" grpId="0" build="p"/>
+    </p:bldLst>
+  </p:timing>
+</p:sld>
+</file>
+
+<file path=ppt/slides/slide18.xml><?xml version="1.0" encoding="utf-8"?>
+<p:sld xmlns:a="http://schemas.openxmlformats.org/drawingml/2006/main" xmlns:r="http://schemas.openxmlformats.org/officeDocument/2006/relationships" xmlns:p="http://schemas.openxmlformats.org/presentationml/2006/main">
+  <p:cSld>
+    <p:spTree>
+      <p:nvGrpSpPr>
+        <p:cNvPr id="1" name=""/>
+        <p:cNvGrpSpPr/>
+        <p:nvPr/>
+      </p:nvGrpSpPr>
+      <p:grpSpPr>
+        <a:xfrm>
+          <a:off x="0" y="0"/>
+          <a:ext cx="0" cy="0"/>
+          <a:chOff x="0" y="0"/>
+          <a:chExt cx="0" cy="0"/>
+        </a:xfrm>
+      </p:grpSpPr>
+      <p:pic>
+        <p:nvPicPr>
+          <p:cNvPr id="4" name="内容占位符 3"/>
+          <p:cNvPicPr>
+            <a:picLocks noGrp="1" noChangeAspect="1"/>
+          </p:cNvPicPr>
+          <p:nvPr>
+            <p:ph idx="1"/>
+          </p:nvPr>
+        </p:nvPicPr>
+        <p:blipFill>
+          <a:blip r:embed="rId3">
+            <a:extLst>
+              <a:ext uri="{28A0092B-C50C-407E-A947-70E740481C1C}">
+                <a14:useLocalDpi xmlns:a14="http://schemas.microsoft.com/office/drawing/2010/main" val="0"/>
+              </a:ext>
+            </a:extLst>
+          </a:blip>
+          <a:stretch>
+            <a:fillRect/>
+          </a:stretch>
+        </p:blipFill>
+        <p:spPr>
+          <a:xfrm>
+            <a:off x="0" y="0"/>
+            <a:ext cx="12192000" cy="6785059"/>
+          </a:xfrm>
+        </p:spPr>
+      </p:pic>
+    </p:spTree>
+    <p:extLst>
+      <p:ext uri="{BB962C8B-B14F-4D97-AF65-F5344CB8AC3E}">
+        <p14:creationId xmlns:p14="http://schemas.microsoft.com/office/powerpoint/2010/main" val="127435719"/>
       </p:ext>
     </p:extLst>
   </p:cSld>

--- a/前端人脸识别初探.pptx
+++ b/前端人脸识别初探.pptx
@@ -7203,7 +7203,9 @@
         </p:nvSpPr>
         <p:spPr/>
         <p:txBody>
-          <a:bodyPr/>
+          <a:bodyPr>
+            <a:normAutofit fontScale="85000" lnSpcReduction="20000"/>
+          </a:bodyPr>
           <a:lstStyle/>
           <a:p>
             <a:pPr>
@@ -7267,7 +7269,7 @@
                 <a:spcPct val="140000"/>
               </a:lnSpc>
             </a:pPr>
-            <a:endParaRPr lang="en-US" altLang="zh-CN" dirty="0"/>
+            <a:endParaRPr lang="en-US" altLang="zh-CN" dirty="0" smtClean="0"/>
           </a:p>
           <a:p>
             <a:pPr>
@@ -7276,8 +7278,44 @@
               </a:lnSpc>
             </a:pPr>
             <a:r>
+              <a:rPr lang="zh-CN" altLang="en-US" dirty="0" smtClean="0"/>
+              <a:t>用户</a:t>
+            </a:r>
+            <a:r>
               <a:rPr lang="zh-CN" altLang="en-US" dirty="0"/>
-              <a:t>用户可以完全在浏览器定义、训练和运行机器学习模型</a:t>
+              <a:t>可以完全在浏览器定义、训练和运行机器学习</a:t>
+            </a:r>
+            <a:r>
+              <a:rPr lang="zh-CN" altLang="en-US" dirty="0" smtClean="0"/>
+              <a:t>模型</a:t>
+            </a:r>
+            <a:endParaRPr lang="en-US" altLang="zh-CN" dirty="0" smtClean="0"/>
+          </a:p>
+          <a:p>
+            <a:pPr>
+              <a:lnSpc>
+                <a:spcPct val="140000"/>
+              </a:lnSpc>
+            </a:pPr>
+            <a:endParaRPr lang="en-US" altLang="zh-CN" dirty="0" smtClean="0"/>
+          </a:p>
+          <a:p>
+            <a:pPr>
+              <a:lnSpc>
+                <a:spcPct val="140000"/>
+              </a:lnSpc>
+            </a:pPr>
+            <a:r>
+              <a:rPr lang="zh-CN" altLang="en-US" dirty="0" smtClean="0">
+                <a:hlinkClick r:id="rId3"/>
+              </a:rPr>
+              <a:t>还是看</a:t>
+            </a:r>
+            <a:r>
+              <a:rPr lang="en-US" altLang="zh-CN" dirty="0" smtClean="0">
+                <a:hlinkClick r:id="rId3"/>
+              </a:rPr>
+              <a:t>demo</a:t>
             </a:r>
             <a:r>
               <a:rPr lang="zh-CN" altLang="en-US" dirty="0" smtClean="0"/>
@@ -7416,6 +7454,67 @@
                                           <p:spTgt spid="3">
                                             <p:txEl>
                                               <p:pRg st="2" end="2"/>
+                                            </p:txEl>
+                                          </p:spTgt>
+                                        </p:tgtEl>
+                                      </p:cBhvr>
+                                    </p:animEffect>
+                                  </p:childTnLst>
+                                </p:cTn>
+                              </p:par>
+                            </p:childTnLst>
+                          </p:cTn>
+                        </p:par>
+                      </p:childTnLst>
+                    </p:cTn>
+                  </p:par>
+                  <p:par>
+                    <p:cTn id="13" fill="hold">
+                      <p:stCondLst>
+                        <p:cond delay="indefinite"/>
+                      </p:stCondLst>
+                      <p:childTnLst>
+                        <p:par>
+                          <p:cTn id="14" fill="hold">
+                            <p:stCondLst>
+                              <p:cond delay="0"/>
+                            </p:stCondLst>
+                            <p:childTnLst>
+                              <p:par>
+                                <p:cTn id="15" presetID="16" presetClass="entr" presetSubtype="21" fill="hold" grpId="0" nodeType="clickEffect">
+                                  <p:stCondLst>
+                                    <p:cond delay="0"/>
+                                  </p:stCondLst>
+                                  <p:childTnLst>
+                                    <p:set>
+                                      <p:cBhvr>
+                                        <p:cTn id="16" dur="1" fill="hold">
+                                          <p:stCondLst>
+                                            <p:cond delay="0"/>
+                                          </p:stCondLst>
+                                        </p:cTn>
+                                        <p:tgtEl>
+                                          <p:spTgt spid="3">
+                                            <p:txEl>
+                                              <p:pRg st="4" end="4"/>
+                                            </p:txEl>
+                                          </p:spTgt>
+                                        </p:tgtEl>
+                                        <p:attrNameLst>
+                                          <p:attrName>style.visibility</p:attrName>
+                                        </p:attrNameLst>
+                                      </p:cBhvr>
+                                      <p:to>
+                                        <p:strVal val="visible"/>
+                                      </p:to>
+                                    </p:set>
+                                    <p:animEffect transition="in" filter="barn(inVertical)">
+                                      <p:cBhvr>
+                                        <p:cTn id="17" dur="500"/>
+                                        <p:tgtEl>
+                                          <p:spTgt spid="3">
+                                            <p:txEl>
+                                              <p:pRg st="4" end="4"/>
                                             </p:txEl>
                                           </p:spTgt>
                                         </p:tgtEl>
